--- a/project_files/symposium_presentation.pptx
+++ b/project_files/symposium_presentation.pptx
@@ -207,7 +207,7 @@
           <a:p>
             <a:fld id="{883FA1FC-07BF-4C5A-B004-FC8E020E1387}" type="datetimeFigureOut">
               <a:rPr lang="en-US" smtClean="0"/>
-              <a:t>3/23/2017</a:t>
+              <a:t>3/28/2017</a:t>
             </a:fld>
             <a:endParaRPr lang="en-US"/>
           </a:p>
@@ -1450,7 +1450,7 @@
           <a:p>
             <a:fld id="{8BABCBE6-3ACD-49C5-A379-1EDE82F1D024}" type="datetimeFigureOut">
               <a:rPr lang="en-US" smtClean="0"/>
-              <a:t>3/23/2017</a:t>
+              <a:t>3/28/2017</a:t>
             </a:fld>
             <a:endParaRPr lang="en-US"/>
           </a:p>
@@ -1724,7 +1724,7 @@
           <a:p>
             <a:fld id="{8BABCBE6-3ACD-49C5-A379-1EDE82F1D024}" type="datetimeFigureOut">
               <a:rPr lang="en-US" smtClean="0"/>
-              <a:t>3/23/2017</a:t>
+              <a:t>3/28/2017</a:t>
             </a:fld>
             <a:endParaRPr lang="en-US"/>
           </a:p>
@@ -1918,7 +1918,7 @@
           <a:p>
             <a:fld id="{8BABCBE6-3ACD-49C5-A379-1EDE82F1D024}" type="datetimeFigureOut">
               <a:rPr lang="en-US" smtClean="0"/>
-              <a:t>3/23/2017</a:t>
+              <a:t>3/28/2017</a:t>
             </a:fld>
             <a:endParaRPr lang="en-US"/>
           </a:p>
@@ -2191,7 +2191,7 @@
           <a:p>
             <a:fld id="{8BABCBE6-3ACD-49C5-A379-1EDE82F1D024}" type="datetimeFigureOut">
               <a:rPr lang="en-US" smtClean="0"/>
-              <a:t>3/23/2017</a:t>
+              <a:t>3/28/2017</a:t>
             </a:fld>
             <a:endParaRPr lang="en-US"/>
           </a:p>
@@ -2532,7 +2532,7 @@
           <a:p>
             <a:fld id="{8BABCBE6-3ACD-49C5-A379-1EDE82F1D024}" type="datetimeFigureOut">
               <a:rPr lang="en-US" smtClean="0"/>
-              <a:t>3/23/2017</a:t>
+              <a:t>3/28/2017</a:t>
             </a:fld>
             <a:endParaRPr lang="en-US"/>
           </a:p>
@@ -3155,7 +3155,7 @@
           <a:p>
             <a:fld id="{8BABCBE6-3ACD-49C5-A379-1EDE82F1D024}" type="datetimeFigureOut">
               <a:rPr lang="en-US" smtClean="0"/>
-              <a:t>3/23/2017</a:t>
+              <a:t>3/28/2017</a:t>
             </a:fld>
             <a:endParaRPr lang="en-US"/>
           </a:p>
@@ -4012,7 +4012,7 @@
           <a:p>
             <a:fld id="{8BABCBE6-3ACD-49C5-A379-1EDE82F1D024}" type="datetimeFigureOut">
               <a:rPr lang="en-US" smtClean="0"/>
-              <a:t>3/23/2017</a:t>
+              <a:t>3/28/2017</a:t>
             </a:fld>
             <a:endParaRPr lang="en-US"/>
           </a:p>
@@ -4182,7 +4182,7 @@
           <a:p>
             <a:fld id="{8BABCBE6-3ACD-49C5-A379-1EDE82F1D024}" type="datetimeFigureOut">
               <a:rPr lang="en-US" smtClean="0"/>
-              <a:t>3/23/2017</a:t>
+              <a:t>3/28/2017</a:t>
             </a:fld>
             <a:endParaRPr lang="en-US"/>
           </a:p>
@@ -4362,7 +4362,7 @@
           <a:p>
             <a:fld id="{8BABCBE6-3ACD-49C5-A379-1EDE82F1D024}" type="datetimeFigureOut">
               <a:rPr lang="en-US" smtClean="0"/>
-              <a:t>3/23/2017</a:t>
+              <a:t>3/28/2017</a:t>
             </a:fld>
             <a:endParaRPr lang="en-US"/>
           </a:p>
@@ -4532,7 +4532,7 @@
           <a:p>
             <a:fld id="{8BABCBE6-3ACD-49C5-A379-1EDE82F1D024}" type="datetimeFigureOut">
               <a:rPr lang="en-US" smtClean="0"/>
-              <a:t>3/23/2017</a:t>
+              <a:t>3/28/2017</a:t>
             </a:fld>
             <a:endParaRPr lang="en-US"/>
           </a:p>
@@ -4779,7 +4779,7 @@
           <a:p>
             <a:fld id="{8BABCBE6-3ACD-49C5-A379-1EDE82F1D024}" type="datetimeFigureOut">
               <a:rPr lang="en-US" smtClean="0"/>
-              <a:t>3/23/2017</a:t>
+              <a:t>3/28/2017</a:t>
             </a:fld>
             <a:endParaRPr lang="en-US"/>
           </a:p>
@@ -5071,7 +5071,7 @@
           <a:p>
             <a:fld id="{8BABCBE6-3ACD-49C5-A379-1EDE82F1D024}" type="datetimeFigureOut">
               <a:rPr lang="en-US" smtClean="0"/>
-              <a:t>3/23/2017</a:t>
+              <a:t>3/28/2017</a:t>
             </a:fld>
             <a:endParaRPr lang="en-US"/>
           </a:p>
@@ -5515,7 +5515,7 @@
           <a:p>
             <a:fld id="{8BABCBE6-3ACD-49C5-A379-1EDE82F1D024}" type="datetimeFigureOut">
               <a:rPr lang="en-US" smtClean="0"/>
-              <a:t>3/23/2017</a:t>
+              <a:t>3/28/2017</a:t>
             </a:fld>
             <a:endParaRPr lang="en-US"/>
           </a:p>
@@ -5633,7 +5633,7 @@
           <a:p>
             <a:fld id="{8BABCBE6-3ACD-49C5-A379-1EDE82F1D024}" type="datetimeFigureOut">
               <a:rPr lang="en-US" smtClean="0"/>
-              <a:t>3/23/2017</a:t>
+              <a:t>3/28/2017</a:t>
             </a:fld>
             <a:endParaRPr lang="en-US"/>
           </a:p>
@@ -5728,7 +5728,7 @@
           <a:p>
             <a:fld id="{8BABCBE6-3ACD-49C5-A379-1EDE82F1D024}" type="datetimeFigureOut">
               <a:rPr lang="en-US" smtClean="0"/>
-              <a:t>3/23/2017</a:t>
+              <a:t>3/28/2017</a:t>
             </a:fld>
             <a:endParaRPr lang="en-US"/>
           </a:p>
@@ -6007,7 +6007,7 @@
           <a:p>
             <a:fld id="{8BABCBE6-3ACD-49C5-A379-1EDE82F1D024}" type="datetimeFigureOut">
               <a:rPr lang="en-US" smtClean="0"/>
-              <a:t>3/23/2017</a:t>
+              <a:t>3/28/2017</a:t>
             </a:fld>
             <a:endParaRPr lang="en-US"/>
           </a:p>
@@ -6281,7 +6281,7 @@
           <a:p>
             <a:fld id="{8BABCBE6-3ACD-49C5-A379-1EDE82F1D024}" type="datetimeFigureOut">
               <a:rPr lang="en-US" smtClean="0"/>
-              <a:t>3/23/2017</a:t>
+              <a:t>3/28/2017</a:t>
             </a:fld>
             <a:endParaRPr lang="en-US"/>
           </a:p>
@@ -6710,7 +6710,7 @@
           <a:p>
             <a:fld id="{8BABCBE6-3ACD-49C5-A379-1EDE82F1D024}" type="datetimeFigureOut">
               <a:rPr lang="en-US" smtClean="0"/>
-              <a:t>3/23/2017</a:t>
+              <a:t>3/28/2017</a:t>
             </a:fld>
             <a:endParaRPr lang="en-US"/>
           </a:p>
@@ -7851,14 +7851,14 @@
           </a:ln>
           <a:extLst>
             <a:ext uri="{909E8E84-426E-40dd-AFC4-6F175D3DCCD1}">
-              <a14:hiddenFill xmlns="" xmlns:a14="http://schemas.microsoft.com/office/drawing/2010/main">
+              <a14:hiddenFill xmlns:a14="http://schemas.microsoft.com/office/drawing/2010/main" xmlns="">
                 <a:solidFill>
                   <a:srgbClr val="FFFFFF"/>
                 </a:solidFill>
               </a14:hiddenFill>
             </a:ext>
             <a:ext uri="{91240B29-F687-4f45-9708-019B960494DF}">
-              <a14:hiddenLine xmlns="" xmlns:a14="http://schemas.microsoft.com/office/drawing/2010/main" w="9525">
+              <a14:hiddenLine xmlns:a14="http://schemas.microsoft.com/office/drawing/2010/main" xmlns="" w="9525">
                 <a:solidFill>
                   <a:srgbClr val="000000"/>
                 </a:solidFill>
@@ -7892,14 +7892,14 @@
           </a:ln>
           <a:extLst>
             <a:ext uri="{909E8E84-426E-40dd-AFC4-6F175D3DCCD1}">
-              <a14:hiddenFill xmlns="" xmlns:a14="http://schemas.microsoft.com/office/drawing/2010/main">
+              <a14:hiddenFill xmlns:a14="http://schemas.microsoft.com/office/drawing/2010/main" xmlns="">
                 <a:solidFill>
                   <a:srgbClr val="FFFFFF"/>
                 </a:solidFill>
               </a14:hiddenFill>
             </a:ext>
             <a:ext uri="{91240B29-F687-4f45-9708-019B960494DF}">
-              <a14:hiddenLine xmlns="" xmlns:a14="http://schemas.microsoft.com/office/drawing/2010/main" w="9525">
+              <a14:hiddenLine xmlns:a14="http://schemas.microsoft.com/office/drawing/2010/main" xmlns="" w="9525">
                 <a:solidFill>
                   <a:srgbClr val="000000"/>
                 </a:solidFill>
@@ -8807,7 +8807,7 @@
         <p:spPr>
           <a:xfrm>
             <a:off x="1070586" y="4032481"/>
-            <a:ext cx="3590980" cy="2670792"/>
+            <a:ext cx="3590980" cy="2670791"/>
           </a:xfrm>
           <a:prstGeom prst="rect">
             <a:avLst/>

--- a/project_files/symposium_presentation.pptx
+++ b/project_files/symposium_presentation.pptx
@@ -125,6 +125,32 @@
 </p:presentation>
 </file>
 
+<file path=ppt/commentAuthors.xml><?xml version="1.0" encoding="utf-8"?>
+<p:cmAuthorLst xmlns:a="http://schemas.openxmlformats.org/drawingml/2006/main" xmlns:r="http://schemas.openxmlformats.org/officeDocument/2006/relationships" xmlns:p="http://schemas.openxmlformats.org/presentationml/2006/main">
+  <p:cmAuthor id="1" name="Chris Bohlman" initials="CB" lastIdx="1" clrIdx="0">
+    <p:extLst>
+      <p:ext uri="{19B8F6BF-5375-455C-9EA6-DF929625EA0E}">
+        <p15:presenceInfo xmlns:p15="http://schemas.microsoft.com/office/powerpoint/2012/main" userId="052168139c0d9d45" providerId="Windows Live"/>
+      </p:ext>
+    </p:extLst>
+  </p:cmAuthor>
+</p:cmAuthorLst>
+</file>
+
+<file path=ppt/comments/comment1.xml><?xml version="1.0" encoding="utf-8"?>
+<p:cmLst xmlns:a="http://schemas.openxmlformats.org/drawingml/2006/main" xmlns:r="http://schemas.openxmlformats.org/officeDocument/2006/relationships" xmlns:p="http://schemas.openxmlformats.org/presentationml/2006/main">
+  <p:cm authorId="1" dt="2017-03-29T15:20:06.060" idx="1">
+    <p:pos x="6913" y="2781"/>
+    <p:text>fix these pictures</p:text>
+    <p:extLst>
+      <p:ext uri="{C676402C-5697-4E1C-873F-D02D1690AC5C}">
+        <p15:threadingInfo xmlns:p15="http://schemas.microsoft.com/office/powerpoint/2012/main" timeZoneBias="420"/>
+      </p:ext>
+    </p:extLst>
+  </p:cm>
+</p:cmLst>
+</file>
+
 <file path=ppt/notesMasters/notesMaster1.xml><?xml version="1.0" encoding="utf-8"?>
 <p:notesMaster xmlns:a="http://schemas.openxmlformats.org/drawingml/2006/main" xmlns:r="http://schemas.openxmlformats.org/officeDocument/2006/relationships" xmlns:p="http://schemas.openxmlformats.org/presentationml/2006/main">
   <p:cSld>
@@ -207,7 +233,7 @@
           <a:p>
             <a:fld id="{883FA1FC-07BF-4C5A-B004-FC8E020E1387}" type="datetimeFigureOut">
               <a:rPr lang="en-US" smtClean="0"/>
-              <a:t>3/28/2017</a:t>
+              <a:t>3/30/2017</a:t>
             </a:fld>
             <a:endParaRPr lang="en-US"/>
           </a:p>
@@ -1450,7 +1476,7 @@
           <a:p>
             <a:fld id="{8BABCBE6-3ACD-49C5-A379-1EDE82F1D024}" type="datetimeFigureOut">
               <a:rPr lang="en-US" smtClean="0"/>
-              <a:t>3/28/2017</a:t>
+              <a:t>3/30/2017</a:t>
             </a:fld>
             <a:endParaRPr lang="en-US"/>
           </a:p>
@@ -1724,7 +1750,7 @@
           <a:p>
             <a:fld id="{8BABCBE6-3ACD-49C5-A379-1EDE82F1D024}" type="datetimeFigureOut">
               <a:rPr lang="en-US" smtClean="0"/>
-              <a:t>3/28/2017</a:t>
+              <a:t>3/30/2017</a:t>
             </a:fld>
             <a:endParaRPr lang="en-US"/>
           </a:p>
@@ -1918,7 +1944,7 @@
           <a:p>
             <a:fld id="{8BABCBE6-3ACD-49C5-A379-1EDE82F1D024}" type="datetimeFigureOut">
               <a:rPr lang="en-US" smtClean="0"/>
-              <a:t>3/28/2017</a:t>
+              <a:t>3/30/2017</a:t>
             </a:fld>
             <a:endParaRPr lang="en-US"/>
           </a:p>
@@ -2191,7 +2217,7 @@
           <a:p>
             <a:fld id="{8BABCBE6-3ACD-49C5-A379-1EDE82F1D024}" type="datetimeFigureOut">
               <a:rPr lang="en-US" smtClean="0"/>
-              <a:t>3/28/2017</a:t>
+              <a:t>3/30/2017</a:t>
             </a:fld>
             <a:endParaRPr lang="en-US"/>
           </a:p>
@@ -2532,7 +2558,7 @@
           <a:p>
             <a:fld id="{8BABCBE6-3ACD-49C5-A379-1EDE82F1D024}" type="datetimeFigureOut">
               <a:rPr lang="en-US" smtClean="0"/>
-              <a:t>3/28/2017</a:t>
+              <a:t>3/30/2017</a:t>
             </a:fld>
             <a:endParaRPr lang="en-US"/>
           </a:p>
@@ -3155,7 +3181,7 @@
           <a:p>
             <a:fld id="{8BABCBE6-3ACD-49C5-A379-1EDE82F1D024}" type="datetimeFigureOut">
               <a:rPr lang="en-US" smtClean="0"/>
-              <a:t>3/28/2017</a:t>
+              <a:t>3/30/2017</a:t>
             </a:fld>
             <a:endParaRPr lang="en-US"/>
           </a:p>
@@ -4012,7 +4038,7 @@
           <a:p>
             <a:fld id="{8BABCBE6-3ACD-49C5-A379-1EDE82F1D024}" type="datetimeFigureOut">
               <a:rPr lang="en-US" smtClean="0"/>
-              <a:t>3/28/2017</a:t>
+              <a:t>3/30/2017</a:t>
             </a:fld>
             <a:endParaRPr lang="en-US"/>
           </a:p>
@@ -4182,7 +4208,7 @@
           <a:p>
             <a:fld id="{8BABCBE6-3ACD-49C5-A379-1EDE82F1D024}" type="datetimeFigureOut">
               <a:rPr lang="en-US" smtClean="0"/>
-              <a:t>3/28/2017</a:t>
+              <a:t>3/30/2017</a:t>
             </a:fld>
             <a:endParaRPr lang="en-US"/>
           </a:p>
@@ -4362,7 +4388,7 @@
           <a:p>
             <a:fld id="{8BABCBE6-3ACD-49C5-A379-1EDE82F1D024}" type="datetimeFigureOut">
               <a:rPr lang="en-US" smtClean="0"/>
-              <a:t>3/28/2017</a:t>
+              <a:t>3/30/2017</a:t>
             </a:fld>
             <a:endParaRPr lang="en-US"/>
           </a:p>
@@ -4532,7 +4558,7 @@
           <a:p>
             <a:fld id="{8BABCBE6-3ACD-49C5-A379-1EDE82F1D024}" type="datetimeFigureOut">
               <a:rPr lang="en-US" smtClean="0"/>
-              <a:t>3/28/2017</a:t>
+              <a:t>3/30/2017</a:t>
             </a:fld>
             <a:endParaRPr lang="en-US"/>
           </a:p>
@@ -4779,7 +4805,7 @@
           <a:p>
             <a:fld id="{8BABCBE6-3ACD-49C5-A379-1EDE82F1D024}" type="datetimeFigureOut">
               <a:rPr lang="en-US" smtClean="0"/>
-              <a:t>3/28/2017</a:t>
+              <a:t>3/30/2017</a:t>
             </a:fld>
             <a:endParaRPr lang="en-US"/>
           </a:p>
@@ -5071,7 +5097,7 @@
           <a:p>
             <a:fld id="{8BABCBE6-3ACD-49C5-A379-1EDE82F1D024}" type="datetimeFigureOut">
               <a:rPr lang="en-US" smtClean="0"/>
-              <a:t>3/28/2017</a:t>
+              <a:t>3/30/2017</a:t>
             </a:fld>
             <a:endParaRPr lang="en-US"/>
           </a:p>
@@ -5515,7 +5541,7 @@
           <a:p>
             <a:fld id="{8BABCBE6-3ACD-49C5-A379-1EDE82F1D024}" type="datetimeFigureOut">
               <a:rPr lang="en-US" smtClean="0"/>
-              <a:t>3/28/2017</a:t>
+              <a:t>3/30/2017</a:t>
             </a:fld>
             <a:endParaRPr lang="en-US"/>
           </a:p>
@@ -5633,7 +5659,7 @@
           <a:p>
             <a:fld id="{8BABCBE6-3ACD-49C5-A379-1EDE82F1D024}" type="datetimeFigureOut">
               <a:rPr lang="en-US" smtClean="0"/>
-              <a:t>3/28/2017</a:t>
+              <a:t>3/30/2017</a:t>
             </a:fld>
             <a:endParaRPr lang="en-US"/>
           </a:p>
@@ -5728,7 +5754,7 @@
           <a:p>
             <a:fld id="{8BABCBE6-3ACD-49C5-A379-1EDE82F1D024}" type="datetimeFigureOut">
               <a:rPr lang="en-US" smtClean="0"/>
-              <a:t>3/28/2017</a:t>
+              <a:t>3/30/2017</a:t>
             </a:fld>
             <a:endParaRPr lang="en-US"/>
           </a:p>
@@ -6007,7 +6033,7 @@
           <a:p>
             <a:fld id="{8BABCBE6-3ACD-49C5-A379-1EDE82F1D024}" type="datetimeFigureOut">
               <a:rPr lang="en-US" smtClean="0"/>
-              <a:t>3/28/2017</a:t>
+              <a:t>3/30/2017</a:t>
             </a:fld>
             <a:endParaRPr lang="en-US"/>
           </a:p>
@@ -6281,7 +6307,7 @@
           <a:p>
             <a:fld id="{8BABCBE6-3ACD-49C5-A379-1EDE82F1D024}" type="datetimeFigureOut">
               <a:rPr lang="en-US" smtClean="0"/>
-              <a:t>3/28/2017</a:t>
+              <a:t>3/30/2017</a:t>
             </a:fld>
             <a:endParaRPr lang="en-US"/>
           </a:p>
@@ -6710,7 +6736,7 @@
           <a:p>
             <a:fld id="{8BABCBE6-3ACD-49C5-A379-1EDE82F1D024}" type="datetimeFigureOut">
               <a:rPr lang="en-US" smtClean="0"/>
-              <a:t>3/28/2017</a:t>
+              <a:t>3/30/2017</a:t>
             </a:fld>
             <a:endParaRPr lang="en-US"/>
           </a:p>
@@ -7690,7 +7716,7 @@
           <a:p>
             <a:r>
               <a:rPr lang="en-US" sz="2800" dirty="0"/>
-              <a:t>Requires a lot of in-depth coding and precise instruments</a:t>
+              <a:t>Although it serves as in improvement to data, it’s still not precise enough alone</a:t>
             </a:r>
           </a:p>
           <a:p>
@@ -8188,7 +8214,7 @@
           <a:p>
             <a:r>
               <a:rPr lang="en-US" sz="2800" dirty="0"/>
-              <a:t>Hands on activities as well</a:t>
+              <a:t>Hands on applications of my work</a:t>
             </a:r>
           </a:p>
           <a:p>

--- a/project_files/symposium_presentation.pptx
+++ b/project_files/symposium_presentation.pptx
@@ -7877,14 +7877,14 @@
           </a:ln>
           <a:extLst>
             <a:ext uri="{909E8E84-426E-40dd-AFC4-6F175D3DCCD1}">
-              <a14:hiddenFill xmlns:a14="http://schemas.microsoft.com/office/drawing/2010/main" xmlns="">
+              <a14:hiddenFill xmlns="" xmlns:a14="http://schemas.microsoft.com/office/drawing/2010/main">
                 <a:solidFill>
                   <a:srgbClr val="FFFFFF"/>
                 </a:solidFill>
               </a14:hiddenFill>
             </a:ext>
             <a:ext uri="{91240B29-F687-4f45-9708-019B960494DF}">
-              <a14:hiddenLine xmlns:a14="http://schemas.microsoft.com/office/drawing/2010/main" xmlns="" w="9525">
+              <a14:hiddenLine xmlns="" xmlns:a14="http://schemas.microsoft.com/office/drawing/2010/main" w="9525">
                 <a:solidFill>
                   <a:srgbClr val="000000"/>
                 </a:solidFill>
@@ -7918,14 +7918,14 @@
           </a:ln>
           <a:extLst>
             <a:ext uri="{909E8E84-426E-40dd-AFC4-6F175D3DCCD1}">
-              <a14:hiddenFill xmlns:a14="http://schemas.microsoft.com/office/drawing/2010/main" xmlns="">
+              <a14:hiddenFill xmlns="" xmlns:a14="http://schemas.microsoft.com/office/drawing/2010/main">
                 <a:solidFill>
                   <a:srgbClr val="FFFFFF"/>
                 </a:solidFill>
               </a14:hiddenFill>
             </a:ext>
             <a:ext uri="{91240B29-F687-4f45-9708-019B960494DF}">
-              <a14:hiddenLine xmlns:a14="http://schemas.microsoft.com/office/drawing/2010/main" xmlns="" w="9525">
+              <a14:hiddenLine xmlns="" xmlns:a14="http://schemas.microsoft.com/office/drawing/2010/main" w="9525">
                 <a:solidFill>
                   <a:srgbClr val="000000"/>
                 </a:solidFill>
